--- a/Project1Presentation_Mark.pptx
+++ b/Project1Presentation_Mark.pptx
@@ -5918,8 +5918,13 @@
           <a:p>
             <a:r>
               <a:rPr lang="en-US" sz="6600" dirty="0"/>
-              <a:t>Social factors as a predictor of crime improvement</a:t>
-            </a:r>
+              <a:t>Social factors as a predictor of </a:t>
+            </a:r>
+            <a:r>
+              <a:rPr lang="en-US" sz="6600"/>
+              <a:t>crime outcome</a:t>
+            </a:r>
+            <a:endParaRPr lang="en-US" sz="6600" dirty="0"/>
           </a:p>
         </p:txBody>
       </p:sp>
